--- a/java/多线程.pptx
+++ b/java/多线程.pptx
@@ -4074,14 +4074,7 @@
                           <a:latin typeface="news" charset="0"/>
                           <a:ea typeface="宋体" charset="0"/>
                         </a:rPr>
-                        <a:t>线程</a:t>
-                      </a:r>
-                      <a:r>
-                        <a:rPr lang="zh-CN" altLang="en-US" sz="1200">
-                          <a:latin typeface="news" charset="0"/>
-                          <a:ea typeface="宋体" charset="0"/>
-                        </a:rPr>
-                        <a:t>对象后，启动线程</a:t>
+                        <a:t>线程对象后，启动线程</a:t>
                       </a:r>
                       <a:endParaRPr lang="zh-CN" altLang="en-US" sz="1200">
                         <a:latin typeface="news" charset="0"/>
@@ -4689,6 +4682,391 @@
             <a:endParaRPr lang="en-US" altLang="zh-CN" sz="1200">
               <a:latin typeface="news" charset="0"/>
               <a:ea typeface="news" charset="0"/>
+              <a:cs typeface="news" charset="0"/>
+            </a:endParaRPr>
+          </a:p>
+        </p:txBody>
+      </p:sp>
+      <p:sp>
+        <p:nvSpPr>
+          <p:cNvPr id="3" name="矩形 2"/>
+          <p:cNvSpPr/>
+          <p:nvPr/>
+        </p:nvSpPr>
+        <p:spPr>
+          <a:xfrm>
+            <a:off x="247650" y="2624455"/>
+            <a:ext cx="5014595" cy="2284095"/>
+          </a:xfrm>
+          <a:prstGeom prst="rect">
+            <a:avLst/>
+          </a:prstGeom>
+        </p:spPr>
+        <p:style>
+          <a:lnRef idx="1">
+            <a:schemeClr val="accent6"/>
+          </a:lnRef>
+          <a:fillRef idx="2">
+            <a:schemeClr val="accent6"/>
+          </a:fillRef>
+          <a:effectRef idx="1">
+            <a:schemeClr val="accent6"/>
+          </a:effectRef>
+          <a:fontRef idx="minor">
+            <a:schemeClr val="dk1"/>
+          </a:fontRef>
+        </p:style>
+        <p:txBody>
+          <a:bodyPr rtlCol="0" anchor="ctr"/>
+          <a:p>
+            <a:pPr algn="l"/>
+            <a:r>
+              <a:rPr lang="zh-CN" altLang="en-US" sz="1200" b="1">
+                <a:latin typeface="news" charset="0"/>
+                <a:ea typeface="news" charset="0"/>
+                <a:cs typeface="news" charset="0"/>
+              </a:rPr>
+              <a:t>关于sleep()方法和</a:t>
+            </a:r>
+            <a:r>
+              <a:rPr lang="en-US" altLang="zh-CN" sz="1200" b="1">
+                <a:latin typeface="news" charset="0"/>
+                <a:ea typeface="news" charset="0"/>
+                <a:cs typeface="news" charset="0"/>
+              </a:rPr>
+              <a:t>wait</a:t>
+            </a:r>
+            <a:r>
+              <a:rPr lang="zh-CN" altLang="en-US" sz="1200" b="1">
+                <a:latin typeface="news" charset="0"/>
+                <a:ea typeface="news" charset="0"/>
+                <a:cs typeface="news" charset="0"/>
+              </a:rPr>
+              <a:t>()方的区别如下：</a:t>
+            </a:r>
+            <a:endParaRPr lang="zh-CN" altLang="en-US" sz="1200">
+              <a:latin typeface="news" charset="0"/>
+              <a:ea typeface="news" charset="0"/>
+              <a:cs typeface="news" charset="0"/>
+            </a:endParaRPr>
+          </a:p>
+          <a:p>
+            <a:pPr algn="l"/>
+            <a:r>
+              <a:rPr lang="en-US" altLang="zh-CN" sz="1200">
+                <a:latin typeface="news" charset="0"/>
+                <a:ea typeface="news" charset="0"/>
+                <a:cs typeface="news" charset="0"/>
+              </a:rPr>
+              <a:t>1.sleep()</a:t>
+            </a:r>
+            <a:r>
+              <a:rPr lang="zh-CN" altLang="en-US" sz="1200">
+                <a:latin typeface="news" charset="0"/>
+                <a:ea typeface="宋体" charset="0"/>
+                <a:cs typeface="news" charset="0"/>
+              </a:rPr>
+              <a:t>是</a:t>
+            </a:r>
+            <a:r>
+              <a:rPr lang="en-US" altLang="zh-CN" sz="1200">
+                <a:latin typeface="news" charset="0"/>
+                <a:ea typeface="宋体" charset="0"/>
+                <a:cs typeface="news" charset="0"/>
+              </a:rPr>
+              <a:t>Thread</a:t>
+            </a:r>
+            <a:r>
+              <a:rPr lang="zh-CN" altLang="en-US" sz="1200">
+                <a:latin typeface="news" charset="0"/>
+                <a:ea typeface="宋体" charset="0"/>
+                <a:cs typeface="news" charset="0"/>
+              </a:rPr>
+              <a:t>的静态类方法，用于控制线程自身流程的；</a:t>
+            </a:r>
+            <a:r>
+              <a:rPr lang="en-US" altLang="zh-CN" sz="1200">
+                <a:latin typeface="news" charset="0"/>
+                <a:ea typeface="宋体" charset="0"/>
+                <a:cs typeface="news" charset="0"/>
+              </a:rPr>
+              <a:t>wait</a:t>
+            </a:r>
+            <a:r>
+              <a:rPr lang="zh-CN" altLang="en-US" sz="1200">
+                <a:latin typeface="news" charset="0"/>
+                <a:ea typeface="宋体" charset="0"/>
+                <a:cs typeface="news" charset="0"/>
+              </a:rPr>
+              <a:t>方法是</a:t>
+            </a:r>
+            <a:r>
+              <a:rPr lang="en-US" altLang="zh-CN" sz="1200">
+                <a:latin typeface="news" charset="0"/>
+                <a:ea typeface="宋体" charset="0"/>
+                <a:cs typeface="news" charset="0"/>
+              </a:rPr>
+              <a:t>Object</a:t>
+            </a:r>
+            <a:r>
+              <a:rPr lang="zh-CN" altLang="en-US" sz="1200">
+                <a:latin typeface="news" charset="0"/>
+                <a:ea typeface="宋体" charset="0"/>
+                <a:cs typeface="news" charset="0"/>
+              </a:rPr>
+              <a:t>类的方法，用于线程之间的通信，这个方法使得当前拥有该对象锁的的线程进入等待状态，直到其他线程调用</a:t>
+            </a:r>
+            <a:r>
+              <a:rPr lang="en-US" altLang="zh-CN" sz="1200">
+                <a:latin typeface="news" charset="0"/>
+                <a:ea typeface="宋体" charset="0"/>
+                <a:cs typeface="news" charset="0"/>
+              </a:rPr>
+              <a:t>notify</a:t>
+            </a:r>
+            <a:r>
+              <a:rPr lang="zh-CN" altLang="en-US" sz="1200">
+                <a:latin typeface="news" charset="0"/>
+                <a:ea typeface="宋体" charset="0"/>
+                <a:cs typeface="news" charset="0"/>
+              </a:rPr>
+              <a:t>或</a:t>
+            </a:r>
+            <a:r>
+              <a:rPr lang="en-US" altLang="zh-CN" sz="1200">
+                <a:latin typeface="news" charset="0"/>
+                <a:ea typeface="宋体" charset="0"/>
+                <a:cs typeface="news" charset="0"/>
+              </a:rPr>
+              <a:t>notifyAll</a:t>
+            </a:r>
+            <a:r>
+              <a:rPr lang="zh-CN" altLang="en-US" sz="1200">
+                <a:latin typeface="news" charset="0"/>
+                <a:ea typeface="宋体" charset="0"/>
+                <a:cs typeface="news" charset="0"/>
+              </a:rPr>
+              <a:t>方法时才醒来；</a:t>
+            </a:r>
+            <a:endParaRPr lang="zh-CN" altLang="en-US" sz="1200">
+              <a:latin typeface="news" charset="0"/>
+              <a:ea typeface="宋体" charset="0"/>
+              <a:cs typeface="news" charset="0"/>
+            </a:endParaRPr>
+          </a:p>
+          <a:p>
+            <a:pPr algn="l"/>
+            <a:r>
+              <a:rPr lang="en-US" altLang="zh-CN" sz="1200">
+                <a:latin typeface="news" charset="0"/>
+                <a:ea typeface="宋体" charset="0"/>
+                <a:cs typeface="news" charset="0"/>
+              </a:rPr>
+              <a:t>2.</a:t>
+            </a:r>
+            <a:r>
+              <a:rPr lang="zh-CN" altLang="en-US" sz="1200">
+                <a:latin typeface="news" charset="0"/>
+                <a:ea typeface="宋体" charset="0"/>
+                <a:cs typeface="news" charset="0"/>
+              </a:rPr>
+              <a:t>处理时机不同，</a:t>
+            </a:r>
+            <a:r>
+              <a:rPr lang="en-US" altLang="zh-CN" sz="1200">
+                <a:latin typeface="news" charset="0"/>
+                <a:ea typeface="宋体" charset="0"/>
+                <a:cs typeface="news" charset="0"/>
+              </a:rPr>
+              <a:t>sleep</a:t>
+            </a:r>
+            <a:r>
+              <a:rPr lang="zh-CN" altLang="en-US" sz="1200">
+                <a:latin typeface="news" charset="0"/>
+                <a:ea typeface="宋体" charset="0"/>
+                <a:cs typeface="news" charset="0"/>
+              </a:rPr>
+              <a:t>因为不涉及线程间的通信，所以不会释放锁；而调用</a:t>
+            </a:r>
+            <a:r>
+              <a:rPr lang="en-US" altLang="zh-CN" sz="1200">
+                <a:latin typeface="news" charset="0"/>
+                <a:ea typeface="宋体" charset="0"/>
+                <a:cs typeface="news" charset="0"/>
+              </a:rPr>
+              <a:t>wait</a:t>
+            </a:r>
+            <a:r>
+              <a:rPr lang="zh-CN" altLang="en-US" sz="1200">
+                <a:latin typeface="news" charset="0"/>
+                <a:ea typeface="宋体" charset="0"/>
+                <a:cs typeface="news" charset="0"/>
+              </a:rPr>
+              <a:t>方法后，线程会释放锁，使得其他线程可以争取获得锁；</a:t>
+            </a:r>
+            <a:endParaRPr lang="zh-CN" altLang="en-US" sz="1200">
+              <a:latin typeface="news" charset="0"/>
+              <a:ea typeface="宋体" charset="0"/>
+              <a:cs typeface="news" charset="0"/>
+            </a:endParaRPr>
+          </a:p>
+          <a:p>
+            <a:pPr algn="l"/>
+            <a:r>
+              <a:rPr lang="en-US" altLang="zh-CN" sz="1200">
+                <a:latin typeface="news" charset="0"/>
+                <a:ea typeface="宋体" charset="0"/>
+                <a:cs typeface="news" charset="0"/>
+              </a:rPr>
+              <a:t>3.</a:t>
+            </a:r>
+            <a:r>
+              <a:rPr lang="zh-CN" altLang="en-US" sz="1200">
+                <a:latin typeface="news" charset="0"/>
+                <a:ea typeface="宋体" charset="0"/>
+                <a:cs typeface="news" charset="0"/>
+              </a:rPr>
+              <a:t>使用区域不同：</a:t>
+            </a:r>
+            <a:r>
+              <a:rPr lang="en-US" altLang="zh-CN" sz="1200">
+                <a:latin typeface="news" charset="0"/>
+                <a:ea typeface="宋体" charset="0"/>
+                <a:cs typeface="news" charset="0"/>
+              </a:rPr>
+              <a:t>wait</a:t>
+            </a:r>
+            <a:r>
+              <a:rPr lang="zh-CN" altLang="en-US" sz="1200">
+                <a:latin typeface="news" charset="0"/>
+                <a:ea typeface="宋体" charset="0"/>
+                <a:cs typeface="news" charset="0"/>
+              </a:rPr>
+              <a:t>方法必须放在同步控制方法语句块中使用，</a:t>
+            </a:r>
+            <a:r>
+              <a:rPr lang="en-US" altLang="zh-CN" sz="1200">
+                <a:latin typeface="news" charset="0"/>
+                <a:ea typeface="宋体" charset="0"/>
+                <a:cs typeface="news" charset="0"/>
+              </a:rPr>
+              <a:t>sleep</a:t>
+            </a:r>
+            <a:r>
+              <a:rPr lang="zh-CN" altLang="en-US" sz="1200">
+                <a:latin typeface="news" charset="0"/>
+                <a:ea typeface="宋体" charset="0"/>
+                <a:cs typeface="news" charset="0"/>
+              </a:rPr>
+              <a:t>方法可以在任何地方使用</a:t>
+            </a:r>
+            <a:r>
+              <a:rPr lang="en-US" altLang="zh-CN" sz="1200">
+                <a:latin typeface="news" charset="0"/>
+                <a:ea typeface="宋体" charset="0"/>
+                <a:cs typeface="news" charset="0"/>
+              </a:rPr>
+              <a:t>.</a:t>
+            </a:r>
+            <a:endParaRPr lang="en-US" altLang="zh-CN" sz="1200">
+              <a:latin typeface="news" charset="0"/>
+              <a:ea typeface="宋体" charset="0"/>
+              <a:cs typeface="news" charset="0"/>
+            </a:endParaRPr>
+          </a:p>
+          <a:p>
+            <a:pPr algn="l"/>
+            <a:r>
+              <a:rPr lang="en-US" altLang="zh-CN" sz="1200">
+                <a:latin typeface="news" charset="0"/>
+                <a:ea typeface="宋体" charset="0"/>
+                <a:cs typeface="news" charset="0"/>
+              </a:rPr>
+              <a:t>4.sleep</a:t>
+            </a:r>
+            <a:r>
+              <a:rPr lang="zh-CN" altLang="en-US" sz="1200">
+                <a:latin typeface="news" charset="0"/>
+                <a:ea typeface="宋体" charset="0"/>
+                <a:cs typeface="news" charset="0"/>
+              </a:rPr>
+              <a:t>必须捕获异常（</a:t>
+            </a:r>
+            <a:r>
+              <a:rPr lang="en-US" altLang="zh-CN" sz="1200">
+                <a:latin typeface="news" charset="0"/>
+                <a:ea typeface="宋体" charset="0"/>
+                <a:cs typeface="news" charset="0"/>
+              </a:rPr>
+              <a:t>InterruptException</a:t>
+            </a:r>
+            <a:r>
+              <a:rPr lang="zh-CN" altLang="en-US" sz="1200">
+                <a:latin typeface="news" charset="0"/>
+                <a:ea typeface="宋体" charset="0"/>
+                <a:cs typeface="news" charset="0"/>
+              </a:rPr>
+              <a:t>），而</a:t>
+            </a:r>
+            <a:r>
+              <a:rPr lang="en-US" altLang="zh-CN" sz="1200">
+                <a:latin typeface="news" charset="0"/>
+                <a:ea typeface="宋体" charset="0"/>
+                <a:cs typeface="news" charset="0"/>
+              </a:rPr>
+              <a:t>wait</a:t>
+            </a:r>
+            <a:r>
+              <a:rPr lang="zh-CN" altLang="en-US" sz="1200">
+                <a:latin typeface="news" charset="0"/>
+                <a:ea typeface="宋体" charset="0"/>
+                <a:cs typeface="news" charset="0"/>
+              </a:rPr>
+              <a:t>、</a:t>
+            </a:r>
+            <a:r>
+              <a:rPr lang="en-US" altLang="zh-CN" sz="1200">
+                <a:latin typeface="news" charset="0"/>
+                <a:ea typeface="宋体" charset="0"/>
+                <a:cs typeface="news" charset="0"/>
+              </a:rPr>
+              <a:t>notify</a:t>
+            </a:r>
+            <a:r>
+              <a:rPr lang="zh-CN" altLang="en-US" sz="1200">
+                <a:latin typeface="news" charset="0"/>
+                <a:ea typeface="宋体" charset="0"/>
+                <a:cs typeface="news" charset="0"/>
+              </a:rPr>
+              <a:t>和</a:t>
+            </a:r>
+            <a:r>
+              <a:rPr lang="en-US" altLang="zh-CN" sz="1200">
+                <a:latin typeface="news" charset="0"/>
+                <a:ea typeface="宋体" charset="0"/>
+                <a:cs typeface="news" charset="0"/>
+              </a:rPr>
+              <a:t>notifyAll</a:t>
+            </a:r>
+            <a:r>
+              <a:rPr lang="zh-CN" altLang="en-US" sz="1200">
+                <a:latin typeface="news" charset="0"/>
+                <a:ea typeface="宋体" charset="0"/>
+                <a:cs typeface="news" charset="0"/>
+              </a:rPr>
+              <a:t>不需要捕获异常</a:t>
+            </a:r>
+            <a:r>
+              <a:rPr lang="en-US" altLang="zh-CN" sz="1200">
+                <a:latin typeface="news" charset="0"/>
+                <a:ea typeface="宋体" charset="0"/>
+                <a:cs typeface="news" charset="0"/>
+              </a:rPr>
+              <a:t>.</a:t>
+            </a:r>
+            <a:endParaRPr lang="en-US" altLang="zh-CN" sz="1200">
+              <a:latin typeface="news" charset="0"/>
+              <a:ea typeface="宋体" charset="0"/>
               <a:cs typeface="news" charset="0"/>
             </a:endParaRPr>
           </a:p>
